--- a/seyzeriat_gauthier-dwwm_projet_3.pptx
+++ b/seyzeriat_gauthier-dwwm_projet_3.pptx
@@ -126,7 +126,7 @@
 <file path=ppt/revisionInfo.xml><?xml version="1.0" encoding="utf-8"?>
 <p1510:revInfo xmlns:a="http://schemas.openxmlformats.org/drawingml/2006/main" xmlns:r="http://schemas.openxmlformats.org/officeDocument/2006/relationships" xmlns:p1510="http://schemas.microsoft.com/office/powerpoint/2015/10/main">
   <p1510:revLst>
-    <p1510:client id="{BE0D46D0-1CF4-4238-88B8-FF75F06B4F00}" v="16" dt="2024-03-24T10:49:19.487"/>
+    <p1510:client id="{BE0D46D0-1CF4-4238-88B8-FF75F06B4F00}" v="17" dt="2024-03-24T12:06:47.802"/>
   </p1510:revLst>
 </p1510:revInfo>
 </file>
@@ -136,7 +136,7 @@
   <pc:docChgLst>
     <pc:chgData name="Gauthier Seyzeriat--meyer" userId="e25954e477fd57a5" providerId="LiveId" clId="{BE0D46D0-1CF4-4238-88B8-FF75F06B4F00}"/>
     <pc:docChg chg="undo custSel addSld delSld modSld">
-      <pc:chgData name="Gauthier Seyzeriat--meyer" userId="e25954e477fd57a5" providerId="LiveId" clId="{BE0D46D0-1CF4-4238-88B8-FF75F06B4F00}" dt="2024-03-24T11:00:54.615" v="636" actId="20577"/>
+      <pc:chgData name="Gauthier Seyzeriat--meyer" userId="e25954e477fd57a5" providerId="LiveId" clId="{BE0D46D0-1CF4-4238-88B8-FF75F06B4F00}" dt="2024-03-24T12:06:51.015" v="1199" actId="20577"/>
       <pc:docMkLst>
         <pc:docMk/>
       </pc:docMkLst>
@@ -156,13 +156,13 @@
         </pc:picChg>
       </pc:sldChg>
       <pc:sldChg chg="modSp mod modNotesTx">
-        <pc:chgData name="Gauthier Seyzeriat--meyer" userId="e25954e477fd57a5" providerId="LiveId" clId="{BE0D46D0-1CF4-4238-88B8-FF75F06B4F00}" dt="2024-03-24T10:34:18.724" v="440" actId="20577"/>
+        <pc:chgData name="Gauthier Seyzeriat--meyer" userId="e25954e477fd57a5" providerId="LiveId" clId="{BE0D46D0-1CF4-4238-88B8-FF75F06B4F00}" dt="2024-03-24T11:52:43.980" v="787" actId="20577"/>
         <pc:sldMkLst>
           <pc:docMk/>
           <pc:sldMk cId="2789834310" sldId="258"/>
         </pc:sldMkLst>
         <pc:spChg chg="mod">
-          <ac:chgData name="Gauthier Seyzeriat--meyer" userId="e25954e477fd57a5" providerId="LiveId" clId="{BE0D46D0-1CF4-4238-88B8-FF75F06B4F00}" dt="2024-03-24T09:53:57.420" v="38" actId="1076"/>
+          <ac:chgData name="Gauthier Seyzeriat--meyer" userId="e25954e477fd57a5" providerId="LiveId" clId="{BE0D46D0-1CF4-4238-88B8-FF75F06B4F00}" dt="2024-03-24T11:49:01.741" v="645" actId="20577"/>
           <ac:spMkLst>
             <pc:docMk/>
             <pc:sldMk cId="2789834310" sldId="258"/>
@@ -186,13 +186,13 @@
         </pc:spChg>
       </pc:sldChg>
       <pc:sldChg chg="modSp mod modNotesTx">
-        <pc:chgData name="Gauthier Seyzeriat--meyer" userId="e25954e477fd57a5" providerId="LiveId" clId="{BE0D46D0-1CF4-4238-88B8-FF75F06B4F00}" dt="2024-03-24T10:56:41.583" v="631" actId="20577"/>
+        <pc:chgData name="Gauthier Seyzeriat--meyer" userId="e25954e477fd57a5" providerId="LiveId" clId="{BE0D46D0-1CF4-4238-88B8-FF75F06B4F00}" dt="2024-03-24T11:53:57.197" v="823" actId="20577"/>
         <pc:sldMkLst>
           <pc:docMk/>
           <pc:sldMk cId="1984699278" sldId="260"/>
         </pc:sldMkLst>
         <pc:spChg chg="mod">
-          <ac:chgData name="Gauthier Seyzeriat--meyer" userId="e25954e477fd57a5" providerId="LiveId" clId="{BE0D46D0-1CF4-4238-88B8-FF75F06B4F00}" dt="2024-03-24T10:56:36.153" v="629" actId="20577"/>
+          <ac:chgData name="Gauthier Seyzeriat--meyer" userId="e25954e477fd57a5" providerId="LiveId" clId="{BE0D46D0-1CF4-4238-88B8-FF75F06B4F00}" dt="2024-03-24T11:53:01.045" v="789" actId="1076"/>
           <ac:spMkLst>
             <pc:docMk/>
             <pc:sldMk cId="1984699278" sldId="260"/>
@@ -201,7 +201,7 @@
         </pc:spChg>
       </pc:sldChg>
       <pc:sldChg chg="addSp delSp modSp mod modNotesTx">
-        <pc:chgData name="Gauthier Seyzeriat--meyer" userId="e25954e477fd57a5" providerId="LiveId" clId="{BE0D46D0-1CF4-4238-88B8-FF75F06B4F00}" dt="2024-03-24T10:57:34.567" v="632"/>
+        <pc:chgData name="Gauthier Seyzeriat--meyer" userId="e25954e477fd57a5" providerId="LiveId" clId="{BE0D46D0-1CF4-4238-88B8-FF75F06B4F00}" dt="2024-03-24T12:00:43.397" v="1096" actId="20577"/>
         <pc:sldMkLst>
           <pc:docMk/>
           <pc:sldMk cId="970456202" sldId="261"/>
@@ -303,13 +303,13 @@
         </pc:picChg>
       </pc:sldChg>
       <pc:sldChg chg="modSp mod modNotesTx">
-        <pc:chgData name="Gauthier Seyzeriat--meyer" userId="e25954e477fd57a5" providerId="LiveId" clId="{BE0D46D0-1CF4-4238-88B8-FF75F06B4F00}" dt="2024-03-24T10:58:04.910" v="633"/>
+        <pc:chgData name="Gauthier Seyzeriat--meyer" userId="e25954e477fd57a5" providerId="LiveId" clId="{BE0D46D0-1CF4-4238-88B8-FF75F06B4F00}" dt="2024-03-24T12:06:51.015" v="1199" actId="20577"/>
         <pc:sldMkLst>
           <pc:docMk/>
           <pc:sldMk cId="3064967313" sldId="263"/>
         </pc:sldMkLst>
         <pc:spChg chg="mod">
-          <ac:chgData name="Gauthier Seyzeriat--meyer" userId="e25954e477fd57a5" providerId="LiveId" clId="{BE0D46D0-1CF4-4238-88B8-FF75F06B4F00}" dt="2024-03-24T10:00:29.659" v="207" actId="20577"/>
+          <ac:chgData name="Gauthier Seyzeriat--meyer" userId="e25954e477fd57a5" providerId="LiveId" clId="{BE0D46D0-1CF4-4238-88B8-FF75F06B4F00}" dt="2024-03-24T12:06:29.381" v="1197" actId="20577"/>
           <ac:spMkLst>
             <pc:docMk/>
             <pc:sldMk cId="3064967313" sldId="263"/>
@@ -326,7 +326,7 @@
         </pc:spChg>
       </pc:sldChg>
       <pc:sldChg chg="modSp mod modNotesTx">
-        <pc:chgData name="Gauthier Seyzeriat--meyer" userId="e25954e477fd57a5" providerId="LiveId" clId="{BE0D46D0-1CF4-4238-88B8-FF75F06B4F00}" dt="2024-03-24T10:58:40.683" v="634"/>
+        <pc:chgData name="Gauthier Seyzeriat--meyer" userId="e25954e477fd57a5" providerId="LiveId" clId="{BE0D46D0-1CF4-4238-88B8-FF75F06B4F00}" dt="2024-03-24T12:01:47.541" v="1123" actId="20577"/>
         <pc:sldMkLst>
           <pc:docMk/>
           <pc:sldMk cId="1870378861" sldId="264"/>
@@ -340,7 +340,7 @@
           </ac:spMkLst>
         </pc:spChg>
         <pc:spChg chg="mod">
-          <ac:chgData name="Gauthier Seyzeriat--meyer" userId="e25954e477fd57a5" providerId="LiveId" clId="{BE0D46D0-1CF4-4238-88B8-FF75F06B4F00}" dt="2024-03-24T10:02:37.849" v="279" actId="20577"/>
+          <ac:chgData name="Gauthier Seyzeriat--meyer" userId="e25954e477fd57a5" providerId="LiveId" clId="{BE0D46D0-1CF4-4238-88B8-FF75F06B4F00}" dt="2024-03-24T12:01:47.541" v="1123" actId="20577"/>
           <ac:spMkLst>
             <pc:docMk/>
             <pc:sldMk cId="1870378861" sldId="264"/>
@@ -514,7 +514,7 @@
         </pc:picChg>
       </pc:sldChg>
       <pc:sldChg chg="addSp modSp new mod setBg modNotesTx">
-        <pc:chgData name="Gauthier Seyzeriat--meyer" userId="e25954e477fd57a5" providerId="LiveId" clId="{BE0D46D0-1CF4-4238-88B8-FF75F06B4F00}" dt="2024-03-24T10:50:06.758" v="627" actId="20577"/>
+        <pc:chgData name="Gauthier Seyzeriat--meyer" userId="e25954e477fd57a5" providerId="LiveId" clId="{BE0D46D0-1CF4-4238-88B8-FF75F06B4F00}" dt="2024-03-24T12:02:21.805" v="1125" actId="20577"/>
         <pc:sldMkLst>
           <pc:docMk/>
           <pc:sldMk cId="3582495197" sldId="269"/>
@@ -990,7 +990,7 @@
                 <a:effectLst/>
                 <a:latin typeface="Söhne"/>
               </a:rPr>
-              <a:t> HTML/CSS qui servira de base à notre thème personnalisé.</a:t>
+              <a:t> HTML/CSS qui servira de base au thème personnalisé.</a:t>
             </a:r>
           </a:p>
           <a:p>
@@ -1062,7 +1062,7 @@
                 <a:effectLst/>
                 <a:latin typeface="Söhne"/>
               </a:rPr>
-              <a:t>comment Advanced Custom Fields peut être utilisé pour ajouter une couche supplémentaire de personnalisation et de flexibilité à notre thème.</a:t>
+              <a:t>comment Advanced Custom Fields peut être utilisé pour ajouter une couche supplémentaire de personnalisation et de flexibilité au thème.</a:t>
             </a:r>
           </a:p>
           <a:p>
@@ -1088,23 +1088,7 @@
                 <a:effectLst/>
                 <a:latin typeface="Söhne"/>
               </a:rPr>
-              <a:t>des tests et de la validation pour assurer la compatibilité cross-browser, la réactivité, et l'optimisation SEO de notre thème. </a:t>
-            </a:r>
-          </a:p>
-          <a:p>
-            <a:pPr algn="l">
-              <a:buFont typeface="+mj-lt"/>
-              <a:buNone/>
-            </a:pPr>
-            <a:r>
-              <a:rPr lang="fr-FR" b="0" i="0" dirty="0">
-                <a:solidFill>
-                  <a:srgbClr val="0D0D0D"/>
-                </a:solidFill>
-                <a:effectLst/>
-                <a:latin typeface="Söhne"/>
-              </a:rPr>
-              <a:t>5: </a:t>
+              <a:t>des tests et de la validation w3c pour assurer la compatibilité cross-browser, la réactivité, et l'optimisation SEO de notre thème.  5: </a:t>
             </a:r>
             <a:r>
               <a:rPr lang="fr-FR" b="0" i="0" dirty="0" err="1">
@@ -1230,24 +1214,14 @@
               <a:buChar char="•"/>
             </a:pPr>
             <a:r>
-              <a:rPr lang="fr-FR" b="0" i="0" dirty="0" err="1">
+              <a:rPr lang="fr-FR" b="0" i="0" dirty="0">
                 <a:solidFill>
                   <a:srgbClr val="0D0D0D"/>
                 </a:solidFill>
                 <a:effectLst/>
                 <a:latin typeface="Söhne"/>
               </a:rPr>
-              <a:t>Dsimple</a:t>
-            </a:r>
-            <a:r>
-              <a:rPr lang="fr-FR" b="0" i="0" dirty="0">
-                <a:solidFill>
-                  <a:srgbClr val="0D0D0D"/>
-                </a:solidFill>
-                <a:effectLst/>
-                <a:latin typeface="Söhne"/>
-              </a:rPr>
-              <a:t> est essentiel pour l’expérience utilisateur.</a:t>
+              <a:t>Design simple est essentiel pour l’expérience utilisateur.</a:t>
             </a:r>
           </a:p>
           <a:p>
@@ -1263,7 +1237,27 @@
                 <a:effectLst/>
                 <a:latin typeface="Söhne"/>
               </a:rPr>
-              <a:t>Importance d’une bonne expérience utilisateur (UX) pour le succès du site.</a:t>
+              <a:t>L’</a:t>
+            </a:r>
+            <a:r>
+              <a:rPr lang="fr-FR" b="0" i="0" dirty="0" err="1">
+                <a:solidFill>
+                  <a:srgbClr val="0D0D0D"/>
+                </a:solidFill>
+                <a:effectLst/>
+                <a:latin typeface="Söhne"/>
+              </a:rPr>
+              <a:t>experience</a:t>
+            </a:r>
+            <a:r>
+              <a:rPr lang="fr-FR" b="0" i="0" dirty="0">
+                <a:solidFill>
+                  <a:srgbClr val="0D0D0D"/>
+                </a:solidFill>
+                <a:effectLst/>
+                <a:latin typeface="Söhne"/>
+              </a:rPr>
+              <a:t> utilisateur étant primordiale pour le succès du site.</a:t>
             </a:r>
           </a:p>
           <a:p>
@@ -1279,30 +1273,8 @@
                 <a:effectLst/>
                 <a:latin typeface="Söhne"/>
               </a:rPr>
-              <a:t>Quelques exemples de contenu que vous avez voulu mettre en avant grâce à ce </a:t>
-            </a:r>
-            <a:r>
-              <a:rPr lang="fr-FR" b="0" i="0" dirty="0" err="1">
-                <a:solidFill>
-                  <a:srgbClr val="0D0D0D"/>
-                </a:solidFill>
-                <a:effectLst/>
-                <a:latin typeface="Söhne"/>
-              </a:rPr>
-              <a:t>template</a:t>
-            </a:r>
-            <a:r>
-              <a:rPr lang="fr-FR" b="0" i="0" dirty="0">
-                <a:solidFill>
-                  <a:srgbClr val="0D0D0D"/>
-                </a:solidFill>
-                <a:effectLst/>
-                <a:latin typeface="Söhne"/>
-              </a:rPr>
-              <a:t>.</a:t>
-            </a:r>
-          </a:p>
-          <a:p>
+              <a:t>Cela permet de se contrer sur le contenu du site</a:t>
+            </a:r>
             <a:endParaRPr lang="fr-FR" dirty="0"/>
           </a:p>
         </p:txBody>
@@ -1399,7 +1371,7 @@
                 <a:effectLst/>
                 <a:latin typeface="Söhne"/>
               </a:rPr>
-              <a:t>Découpage du </a:t>
+              <a:t>Découper </a:t>
             </a:r>
             <a:r>
               <a:rPr lang="fr-FR" b="0" i="0" dirty="0" err="1">
@@ -1409,7 +1381,7 @@
                 <a:effectLst/>
                 <a:latin typeface="Söhne"/>
               </a:rPr>
-              <a:t>template</a:t>
+              <a:t>letemplate</a:t>
             </a:r>
             <a:r>
               <a:rPr lang="fr-FR" b="0" i="0" dirty="0">
@@ -1475,7 +1447,7 @@
                 <a:effectLst/>
                 <a:latin typeface="Söhne"/>
               </a:rPr>
-              <a:t>Intégration des fonctions WordPress pour le contenu dynamique (boucles, </a:t>
+              <a:t>Intégrer des fonctions WordPress pour le contenu dynamique (boucles, </a:t>
             </a:r>
             <a:r>
               <a:rPr lang="fr-FR" b="0" i="0" dirty="0" err="1">
@@ -1511,7 +1483,7 @@
                 <a:effectLst/>
                 <a:latin typeface="Söhne"/>
               </a:rPr>
-              <a:t>Création de zones ACF pour une mise en page flexible.</a:t>
+              <a:t>Créé des zones ACF pour une mise en page flexible.</a:t>
             </a:r>
           </a:p>
           <a:p>
@@ -1627,7 +1599,7 @@
                 <a:effectLst/>
                 <a:latin typeface="Söhne"/>
               </a:rPr>
-              <a:t>Rôle d'ACF :</a:t>
+              <a:t>L’utilisation d’ACF  f</a:t>
             </a:r>
             <a:r>
               <a:rPr lang="fr-FR" b="0" i="0" dirty="0">
@@ -1637,7 +1609,27 @@
                 <a:effectLst/>
                 <a:latin typeface="Söhne"/>
               </a:rPr>
-              <a:t> Permet la création de champs personnalisés pour un contenu dynamique et riche.</a:t>
+              <a:t>ut essentielle pour la personnalisation et la flexibilité du back </a:t>
+            </a:r>
+            <a:r>
+              <a:rPr lang="fr-FR" b="0" i="0" dirty="0" err="1">
+                <a:solidFill>
+                  <a:srgbClr val="0D0D0D"/>
+                </a:solidFill>
+                <a:effectLst/>
+                <a:latin typeface="Söhne"/>
+              </a:rPr>
+              <a:t>office,permettant</a:t>
+            </a:r>
+            <a:r>
+              <a:rPr lang="fr-FR" b="0" i="0" dirty="0">
+                <a:solidFill>
+                  <a:srgbClr val="0D0D0D"/>
+                </a:solidFill>
+                <a:effectLst/>
+                <a:latin typeface="Söhne"/>
+              </a:rPr>
+              <a:t> une gestion du contenu à la fois riche et accessible pour les utilisateurs de tous niveaux.</a:t>
             </a:r>
           </a:p>
           <a:p>
@@ -1646,24 +1638,14 @@
               <a:buChar char="•"/>
             </a:pPr>
             <a:r>
-              <a:rPr lang="fr-FR" b="1" i="0" dirty="0">
+              <a:rPr lang="fr-FR" b="0" i="0" dirty="0">
                 <a:solidFill>
                   <a:srgbClr val="0D0D0D"/>
                 </a:solidFill>
                 <a:effectLst/>
                 <a:latin typeface="Söhne"/>
               </a:rPr>
-              <a:t>Personnalisation du contenu :</a:t>
-            </a:r>
-            <a:r>
-              <a:rPr lang="fr-FR" b="0" i="0" dirty="0">
-                <a:solidFill>
-                  <a:srgbClr val="0D0D0D"/>
-                </a:solidFill>
-                <a:effectLst/>
-                <a:latin typeface="Söhne"/>
-              </a:rPr>
-              <a:t> ACF facilite la structuration de contenus complexes et leur édition par des utilisateurs non techniques.</a:t>
+              <a:t>-&gt;personnalisation de notre site WordPress  grâce à des champs personnalisés</a:t>
             </a:r>
           </a:p>
           <a:p>
@@ -1672,77 +1654,48 @@
               <a:buChar char="•"/>
             </a:pPr>
             <a:r>
-              <a:rPr lang="fr-FR" b="1" i="0" dirty="0">
+              <a:rPr lang="fr-FR" b="0" i="0" dirty="0">
                 <a:solidFill>
                   <a:srgbClr val="0D0D0D"/>
                 </a:solidFill>
                 <a:effectLst/>
                 <a:latin typeface="Söhne"/>
               </a:rPr>
-              <a:t>Champs personnalisés ACF :</a:t>
-            </a:r>
-            <a:r>
-              <a:rPr lang="fr-FR" b="0" i="0" dirty="0">
+              <a:t>-&gt; contenu dynamique riche et structuré</a:t>
+            </a:r>
+          </a:p>
+          <a:p>
+            <a:pPr algn="l">
+              <a:buFont typeface="Arial" panose="020B0604020202020204" pitchFamily="34" charset="0"/>
+              <a:buNone/>
+            </a:pPr>
+            <a:r>
+              <a:rPr lang="fr-FR" b="0" i="0" dirty="0" err="1">
                 <a:solidFill>
                   <a:srgbClr val="0D0D0D"/>
                 </a:solidFill>
                 <a:effectLst/>
                 <a:latin typeface="Söhne"/>
               </a:rPr>
-              <a:t> Exemples incluent coordonnées de contact, liens vers réseaux sociaux, galeries d'images.</a:t>
-            </a:r>
-          </a:p>
-          <a:p>
-            <a:pPr algn="l">
-              <a:buFont typeface="Arial" panose="020B0604020202020204" pitchFamily="34" charset="0"/>
-              <a:buChar char="•"/>
-            </a:pPr>
-            <a:r>
-              <a:rPr lang="fr-FR" b="1" i="0" dirty="0">
+              <a:t>Acf</a:t>
+            </a:r>
+            <a:r>
+              <a:rPr lang="fr-FR" b="0" i="0" dirty="0">
                 <a:solidFill>
                   <a:srgbClr val="0D0D0D"/>
                 </a:solidFill>
                 <a:effectLst/>
                 <a:latin typeface="Söhne"/>
               </a:rPr>
-              <a:t>Avantages :</a:t>
-            </a:r>
-            <a:r>
-              <a:rPr lang="fr-FR" b="0" i="0" dirty="0">
-                <a:solidFill>
-                  <a:srgbClr val="0D0D0D"/>
-                </a:solidFill>
-                <a:effectLst/>
-                <a:latin typeface="Söhne"/>
-              </a:rPr>
-              <a:t> Simplification de l'édition de contenu, rendant le back-office plus intuitif et accessible.</a:t>
-            </a:r>
-          </a:p>
-          <a:p>
-            <a:pPr algn="l">
-              <a:buFont typeface="Arial" panose="020B0604020202020204" pitchFamily="34" charset="0"/>
-              <a:buChar char="•"/>
-            </a:pPr>
-            <a:r>
-              <a:rPr lang="fr-FR" b="1" i="0" dirty="0">
-                <a:solidFill>
-                  <a:srgbClr val="0D0D0D"/>
-                </a:solidFill>
-                <a:effectLst/>
-                <a:latin typeface="Söhne"/>
-              </a:rPr>
-              <a:t>Objectif :</a:t>
-            </a:r>
-            <a:r>
-              <a:rPr lang="fr-FR" b="0" i="0" dirty="0">
-                <a:solidFill>
-                  <a:srgbClr val="0D0D0D"/>
-                </a:solidFill>
-                <a:effectLst/>
-                <a:latin typeface="Söhne"/>
-              </a:rPr>
-              <a:t> Maximiser la flexibilité et la personnalisation du site via le back-office.</a:t>
-            </a:r>
+              <a:t> rend la modification du contenu accessible même pour les utilisateurs sans compétences techniques approfondies, simplifiant considérablement la gestion du site au quotidien.</a:t>
+            </a:r>
+            <a:endParaRPr lang="fr-FR" b="1" i="0" dirty="0">
+              <a:solidFill>
+                <a:srgbClr val="0D0D0D"/>
+              </a:solidFill>
+              <a:effectLst/>
+              <a:latin typeface="Söhne"/>
+            </a:endParaRPr>
           </a:p>
           <a:p>
             <a:endParaRPr lang="fr-FR" dirty="0"/>
@@ -1851,7 +1804,7 @@
                 <a:effectLst/>
                 <a:latin typeface="Söhne"/>
               </a:rPr>
-              <a:t> Tests sur divers navigateurs et appareils pour assurer la réactivité et l'accessibilité.</a:t>
+              <a:t> Tests sur divers navigateurs et appareils pour assurer la réactivité et l'accessibilité. </a:t>
             </a:r>
           </a:p>
           <a:p>
@@ -1867,7 +1820,7 @@
                 <a:effectLst/>
                 <a:latin typeface="Söhne"/>
               </a:rPr>
-              <a:t>Validation W3C :</a:t>
+              <a:t>Tests d'usage :</a:t>
             </a:r>
             <a:r>
               <a:rPr lang="fr-FR" b="0" i="0" dirty="0">
@@ -1877,7 +1830,7 @@
                 <a:effectLst/>
                 <a:latin typeface="Söhne"/>
               </a:rPr>
-              <a:t> Vérification de la conformité du code HTML/CSS aux standards du web pour éviter les erreurs.</a:t>
+              <a:t> Assurer une navigation fluide et une expérience utilisateur optimale.</a:t>
             </a:r>
           </a:p>
           <a:p>
@@ -1893,7 +1846,7 @@
                 <a:effectLst/>
                 <a:latin typeface="Söhne"/>
               </a:rPr>
-              <a:t>Optimisations SEO :</a:t>
+              <a:t>Retours utilisateurs :</a:t>
             </a:r>
             <a:r>
               <a:rPr lang="fr-FR" b="0" i="0" dirty="0">
@@ -1903,7 +1856,7 @@
                 <a:effectLst/>
                 <a:latin typeface="Söhne"/>
               </a:rPr>
-              <a:t> Correction des erreurs de validation et amélioration des métadonnées et des balises alt pour les images.</a:t>
+              <a:t> Collecte et intégration des feedbacks pour des améliorations continues.</a:t>
             </a:r>
           </a:p>
           <a:p>
@@ -1919,7 +1872,7 @@
                 <a:effectLst/>
                 <a:latin typeface="Söhne"/>
               </a:rPr>
-              <a:t>Tests d'usage :</a:t>
+              <a:t>Validation W3C :</a:t>
             </a:r>
             <a:r>
               <a:rPr lang="fr-FR" b="0" i="0" dirty="0">
@@ -1929,7 +1882,7 @@
                 <a:effectLst/>
                 <a:latin typeface="Söhne"/>
               </a:rPr>
-              <a:t> Assurer une navigation fluide et une expérience utilisateur optimale.</a:t>
+              <a:t> Vérification de la conformité du code HTML/CSS aux standards du web pour éviter les erreurs.</a:t>
             </a:r>
           </a:p>
           <a:p>
@@ -1945,7 +1898,7 @@
                 <a:effectLst/>
                 <a:latin typeface="Söhne"/>
               </a:rPr>
-              <a:t>Retours utilisateurs :</a:t>
+              <a:t>Optimisations SEO :</a:t>
             </a:r>
             <a:r>
               <a:rPr lang="fr-FR" b="0" i="0" dirty="0">
@@ -1955,8 +1908,21 @@
                 <a:effectLst/>
                 <a:latin typeface="Söhne"/>
               </a:rPr>
-              <a:t> Collecte et intégration des feedbacks pour des améliorations continues.</a:t>
-            </a:r>
+              <a:t> Correction des erreurs de validation et amélioration des métadonnées et des balises alt pour les images.</a:t>
+            </a:r>
+          </a:p>
+          <a:p>
+            <a:pPr algn="l">
+              <a:buFont typeface="Arial" panose="020B0604020202020204" pitchFamily="34" charset="0"/>
+              <a:buChar char="•"/>
+            </a:pPr>
+            <a:endParaRPr lang="fr-FR" b="0" i="0" dirty="0">
+              <a:solidFill>
+                <a:srgbClr val="0D0D0D"/>
+              </a:solidFill>
+              <a:effectLst/>
+              <a:latin typeface="Söhne"/>
+            </a:endParaRPr>
           </a:p>
           <a:p>
             <a:endParaRPr lang="fr-FR" dirty="0"/>
@@ -6317,7 +6283,7 @@
             </a:r>
             <a:r>
               <a:rPr lang="en-US" sz="2400" dirty="0" err="1"/>
-              <a:t>itilisateur</a:t>
+              <a:t>utilisateur</a:t>
             </a:r>
             <a:r>
               <a:rPr lang="en-US" sz="2400" dirty="0"/>
@@ -6325,12 +6291,15 @@
             </a:r>
           </a:p>
           <a:p>
-            <a:r>
-              <a:rPr lang="en-US" sz="2400" dirty="0"/>
-              <a:t>Concentration sur le </a:t>
-            </a:r>
-            <a:r>
-              <a:rPr lang="en-US" sz="2400" dirty="0" err="1"/>
+            <a:pPr marL="457200" lvl="1" indent="0">
+              <a:buNone/>
+            </a:pPr>
+            <a:r>
+              <a:rPr lang="en-US" sz="2000" dirty="0"/>
+              <a:t>-&gt; concentration sur le </a:t>
+            </a:r>
+            <a:r>
+              <a:rPr lang="en-US" sz="2000" dirty="0" err="1"/>
               <a:t>contenu</a:t>
             </a:r>
             <a:endParaRPr lang="en-US" dirty="0"/>
@@ -6515,7 +6484,7 @@
         </p:nvSpPr>
         <p:spPr>
           <a:xfrm>
-            <a:off x="411480" y="2684095"/>
+            <a:off x="411479" y="2373689"/>
             <a:ext cx="4443154" cy="3492868"/>
           </a:xfrm>
         </p:spPr>
@@ -6526,7 +6495,7 @@
           <a:lstStyle/>
           <a:p>
             <a:r>
-              <a:rPr lang="fr-FR" sz="1500" dirty="0"/>
+              <a:rPr lang="fr-FR" sz="1800" dirty="0"/>
               <a:t>Transformation du code HTML/CSS en un thème WordPress</a:t>
             </a:r>
           </a:p>
@@ -6536,23 +6505,23 @@
               <a:buChar char="•"/>
             </a:pPr>
             <a:r>
-              <a:rPr lang="fr-FR" sz="1500" dirty="0"/>
+              <a:rPr lang="fr-FR" sz="1800" dirty="0"/>
               <a:t>Découpage du code HTML/CSS en fichiers de thème spécifiques (</a:t>
             </a:r>
             <a:r>
-              <a:rPr lang="fr-FR" sz="1500" dirty="0" err="1"/>
+              <a:rPr lang="fr-FR" sz="1800" dirty="0" err="1"/>
               <a:t>header.php</a:t>
             </a:r>
             <a:r>
-              <a:rPr lang="fr-FR" sz="1500" dirty="0"/>
+              <a:rPr lang="fr-FR" sz="1800" dirty="0"/>
               <a:t>, </a:t>
             </a:r>
             <a:r>
-              <a:rPr lang="fr-FR" sz="1500" dirty="0" err="1"/>
+              <a:rPr lang="fr-FR" sz="1800" dirty="0" err="1"/>
               <a:t>footer.php</a:t>
             </a:r>
             <a:r>
-              <a:rPr lang="fr-FR" sz="1500" dirty="0"/>
+              <a:rPr lang="fr-FR" sz="1800" dirty="0"/>
               <a:t>, etc.).</a:t>
             </a:r>
           </a:p>
@@ -6562,15 +6531,15 @@
               <a:buChar char="•"/>
             </a:pPr>
             <a:r>
-              <a:rPr lang="fr-FR" sz="1500" dirty="0"/>
+              <a:rPr lang="fr-FR" sz="1800" dirty="0"/>
               <a:t>Intégration des fonctions WordPress pour une gestion dynamique du contenu (boucles WordPress, </a:t>
             </a:r>
             <a:r>
-              <a:rPr lang="fr-FR" sz="1500" dirty="0" err="1"/>
+              <a:rPr lang="fr-FR" sz="1800" dirty="0" err="1"/>
               <a:t>templates</a:t>
             </a:r>
             <a:r>
-              <a:rPr lang="fr-FR" sz="1500" dirty="0"/>
+              <a:rPr lang="fr-FR" sz="1800" dirty="0"/>
               <a:t> pour articles et pages).</a:t>
             </a:r>
           </a:p>
@@ -6580,7 +6549,7 @@
               <a:buChar char="•"/>
             </a:pPr>
             <a:r>
-              <a:rPr lang="fr-FR" sz="1500" dirty="0"/>
+              <a:rPr lang="fr-FR" sz="1800" dirty="0"/>
               <a:t>Création de zones de ACF pour une mise en page flexible et personnalisable.</a:t>
             </a:r>
           </a:p>
@@ -7957,7 +7926,33 @@
                 <a:ea typeface="+mn-ea"/>
                 <a:cs typeface="+mn-cs"/>
               </a:rPr>
-              <a:t> Tests sur différents navigateurs et appareils mobiles.</a:t>
+              <a:t> Tests de compatibilité</a:t>
+            </a:r>
+          </a:p>
+          <a:p>
+            <a:pPr defTabSz="822960">
+              <a:spcAft>
+                <a:spcPts val="600"/>
+              </a:spcAft>
+              <a:buFont typeface="Arial" panose="020B0604020202020204" pitchFamily="34" charset="0"/>
+              <a:buChar char="•"/>
+            </a:pPr>
+            <a:r>
+              <a:rPr lang="fr-FR" sz="1620" dirty="0"/>
+              <a:t> Test d’usage</a:t>
+            </a:r>
+          </a:p>
+          <a:p>
+            <a:pPr defTabSz="822960">
+              <a:spcAft>
+                <a:spcPts val="600"/>
+              </a:spcAft>
+              <a:buFont typeface="Arial" panose="020B0604020202020204" pitchFamily="34" charset="0"/>
+              <a:buChar char="•"/>
+            </a:pPr>
+            <a:r>
+              <a:rPr lang="fr-FR" sz="1620" dirty="0"/>
+              <a:t> Retours utilisateurs</a:t>
             </a:r>
             <a:endParaRPr lang="fr-FR" dirty="0"/>
           </a:p>
@@ -8893,6 +8888,19 @@
             <a:r>
               <a:rPr lang="fr-FR" dirty="0"/>
               <a:t> Améliorer le design </a:t>
+            </a:r>
+          </a:p>
+          <a:p>
+            <a:pPr defTabSz="786384">
+              <a:spcAft>
+                <a:spcPts val="600"/>
+              </a:spcAft>
+              <a:buFont typeface="Arial" panose="020B0604020202020204" pitchFamily="34" charset="0"/>
+              <a:buChar char="•"/>
+            </a:pPr>
+            <a:r>
+              <a:rPr lang="fr-FR" dirty="0"/>
+              <a:t> Nouvelles fonctionnalités</a:t>
             </a:r>
           </a:p>
           <a:p>
